--- a/Project1-PP f.pptx
+++ b/Project1-PP f.pptx
@@ -2885,7 +2885,7 @@
           <a:p>
             <a:fld id="{95EA7912-461E-DA40-AA67-BCD90893A658}" type="datetimeFigureOut">
               <a:rPr lang="en-US" smtClean="0"/>
-              <a:t>4/10/23</a:t>
+              <a:t>4/10/2023</a:t>
             </a:fld>
             <a:endParaRPr lang="en-US"/>
           </a:p>
@@ -3383,7 +3383,7 @@
           <a:p>
             <a:fld id="{0522B602-092C-C345-B826-F55BAEC0F521}" type="datetimeFigureOut">
               <a:rPr lang="en-US" smtClean="0"/>
-              <a:t>4/10/23</a:t>
+              <a:t>4/10/2023</a:t>
             </a:fld>
             <a:endParaRPr lang="en-US"/>
           </a:p>
@@ -3581,7 +3581,7 @@
           <a:p>
             <a:fld id="{0522B602-092C-C345-B826-F55BAEC0F521}" type="datetimeFigureOut">
               <a:rPr lang="en-US" smtClean="0"/>
-              <a:t>4/10/23</a:t>
+              <a:t>4/10/2023</a:t>
             </a:fld>
             <a:endParaRPr lang="en-US"/>
           </a:p>
@@ -3789,7 +3789,7 @@
           <a:p>
             <a:fld id="{0522B602-092C-C345-B826-F55BAEC0F521}" type="datetimeFigureOut">
               <a:rPr lang="en-US" smtClean="0"/>
-              <a:t>4/10/23</a:t>
+              <a:t>4/10/2023</a:t>
             </a:fld>
             <a:endParaRPr lang="en-US"/>
           </a:p>
@@ -3987,7 +3987,7 @@
           <a:p>
             <a:fld id="{0522B602-092C-C345-B826-F55BAEC0F521}" type="datetimeFigureOut">
               <a:rPr lang="en-US" smtClean="0"/>
-              <a:t>4/10/23</a:t>
+              <a:t>4/10/2023</a:t>
             </a:fld>
             <a:endParaRPr lang="en-US"/>
           </a:p>
@@ -4262,7 +4262,7 @@
           <a:p>
             <a:fld id="{0522B602-092C-C345-B826-F55BAEC0F521}" type="datetimeFigureOut">
               <a:rPr lang="en-US" smtClean="0"/>
-              <a:t>4/10/23</a:t>
+              <a:t>4/10/2023</a:t>
             </a:fld>
             <a:endParaRPr lang="en-US"/>
           </a:p>
@@ -4527,7 +4527,7 @@
           <a:p>
             <a:fld id="{0522B602-092C-C345-B826-F55BAEC0F521}" type="datetimeFigureOut">
               <a:rPr lang="en-US" smtClean="0"/>
-              <a:t>4/10/23</a:t>
+              <a:t>4/10/2023</a:t>
             </a:fld>
             <a:endParaRPr lang="en-US"/>
           </a:p>
@@ -4939,7 +4939,7 @@
           <a:p>
             <a:fld id="{0522B602-092C-C345-B826-F55BAEC0F521}" type="datetimeFigureOut">
               <a:rPr lang="en-US" smtClean="0"/>
-              <a:t>4/10/23</a:t>
+              <a:t>4/10/2023</a:t>
             </a:fld>
             <a:endParaRPr lang="en-US"/>
           </a:p>
@@ -5080,7 +5080,7 @@
           <a:p>
             <a:fld id="{0522B602-092C-C345-B826-F55BAEC0F521}" type="datetimeFigureOut">
               <a:rPr lang="en-US" smtClean="0"/>
-              <a:t>4/10/23</a:t>
+              <a:t>4/10/2023</a:t>
             </a:fld>
             <a:endParaRPr lang="en-US"/>
           </a:p>
@@ -5193,7 +5193,7 @@
           <a:p>
             <a:fld id="{0522B602-092C-C345-B826-F55BAEC0F521}" type="datetimeFigureOut">
               <a:rPr lang="en-US" smtClean="0"/>
-              <a:t>4/10/23</a:t>
+              <a:t>4/10/2023</a:t>
             </a:fld>
             <a:endParaRPr lang="en-US"/>
           </a:p>
@@ -5504,7 +5504,7 @@
           <a:p>
             <a:fld id="{0522B602-092C-C345-B826-F55BAEC0F521}" type="datetimeFigureOut">
               <a:rPr lang="en-US" smtClean="0"/>
-              <a:t>4/10/23</a:t>
+              <a:t>4/10/2023</a:t>
             </a:fld>
             <a:endParaRPr lang="en-US"/>
           </a:p>
@@ -5792,7 +5792,7 @@
           <a:p>
             <a:fld id="{0522B602-092C-C345-B826-F55BAEC0F521}" type="datetimeFigureOut">
               <a:rPr lang="en-US" smtClean="0"/>
-              <a:t>4/10/23</a:t>
+              <a:t>4/10/2023</a:t>
             </a:fld>
             <a:endParaRPr lang="en-US"/>
           </a:p>
@@ -6033,7 +6033,7 @@
           <a:p>
             <a:fld id="{0522B602-092C-C345-B826-F55BAEC0F521}" type="datetimeFigureOut">
               <a:rPr lang="en-US" smtClean="0"/>
-              <a:t>4/10/23</a:t>
+              <a:t>4/10/2023</a:t>
             </a:fld>
             <a:endParaRPr lang="en-US"/>
           </a:p>
@@ -10756,10 +10756,10 @@
       </p:sp>
       <p:pic>
         <p:nvPicPr>
-          <p:cNvPr id="6" name="Content Placeholder 5" descr="Chart, waterfall chart">
+          <p:cNvPr id="7" name="Content Placeholder 6">
             <a:extLst>
               <a:ext uri="{FF2B5EF4-FFF2-40B4-BE49-F238E27FC236}">
-                <a16:creationId xmlns:a16="http://schemas.microsoft.com/office/drawing/2014/main" id="{2EEE4140-E703-9B52-639D-ED9652099D98}"/>
+                <a16:creationId xmlns:a16="http://schemas.microsoft.com/office/drawing/2014/main" id="{D74B76B2-996A-0A8A-73F9-4AFA971F1382}"/>
               </a:ext>
             </a:extLst>
           </p:cNvPr>
@@ -10778,8 +10778,8 @@
         </p:blipFill>
         <p:spPr>
           <a:xfrm>
-            <a:off x="90665" y="2258837"/>
-            <a:ext cx="11936456" cy="2984114"/>
+            <a:off x="-1" y="1911493"/>
+            <a:ext cx="12129211" cy="3032304"/>
           </a:xfrm>
         </p:spPr>
       </p:pic>
@@ -11638,10 +11638,10 @@
       </p:sp>
       <p:pic>
         <p:nvPicPr>
-          <p:cNvPr id="12" name="Picture 11" descr="Chart, scatter chart&#10;&#10;Description automatically generated">
+          <p:cNvPr id="4" name="Picture 3" descr="Chart, scatter chart&#10;&#10;Description automatically generated">
             <a:extLst>
               <a:ext uri="{FF2B5EF4-FFF2-40B4-BE49-F238E27FC236}">
-                <a16:creationId xmlns:a16="http://schemas.microsoft.com/office/drawing/2014/main" id="{ECA47D13-834F-829A-2D16-C02779A30AC2}"/>
+                <a16:creationId xmlns:a16="http://schemas.microsoft.com/office/drawing/2014/main" id="{42FA183B-26D6-55BB-3BC5-E9AEA5754B05}"/>
               </a:ext>
             </a:extLst>
           </p:cNvPr>
@@ -11658,8 +11658,8 @@
         </p:blipFill>
         <p:spPr>
           <a:xfrm>
-            <a:off x="7587658" y="29428"/>
-            <a:ext cx="4233881" cy="3175411"/>
+            <a:off x="8120782" y="1875621"/>
+            <a:ext cx="3847109" cy="3379597"/>
           </a:xfrm>
           <a:prstGeom prst="rect">
             <a:avLst/>
@@ -11668,10 +11668,10 @@
       </p:pic>
       <p:pic>
         <p:nvPicPr>
-          <p:cNvPr id="14" name="Picture 13" descr="Chart, scatter chart&#10;&#10;Description automatically generated">
+          <p:cNvPr id="6" name="Picture 5" descr="Chart, scatter chart&#10;&#10;Description automatically generated">
             <a:extLst>
               <a:ext uri="{FF2B5EF4-FFF2-40B4-BE49-F238E27FC236}">
-                <a16:creationId xmlns:a16="http://schemas.microsoft.com/office/drawing/2014/main" id="{CE6CE61C-F5CE-9C23-FEC3-35A2A3DE1CB8}"/>
+                <a16:creationId xmlns:a16="http://schemas.microsoft.com/office/drawing/2014/main" id="{D0A7DE30-13BB-A229-6B34-F3126894C2CE}"/>
               </a:ext>
             </a:extLst>
           </p:cNvPr>
@@ -11688,8 +11688,8 @@
         </p:blipFill>
         <p:spPr>
           <a:xfrm>
-            <a:off x="145364" y="1755740"/>
-            <a:ext cx="4462028" cy="3346520"/>
+            <a:off x="45261" y="1875622"/>
+            <a:ext cx="3937317" cy="3524886"/>
           </a:xfrm>
           <a:prstGeom prst="rect">
             <a:avLst/>
@@ -11698,10 +11698,10 @@
       </p:pic>
       <p:pic>
         <p:nvPicPr>
-          <p:cNvPr id="16" name="Picture 15" descr="Chart, scatter chart&#10;&#10;Description automatically generated">
+          <p:cNvPr id="8" name="Picture 7" descr="Chart, scatter chart&#10;&#10;Description automatically generated">
             <a:extLst>
               <a:ext uri="{FF2B5EF4-FFF2-40B4-BE49-F238E27FC236}">
-                <a16:creationId xmlns:a16="http://schemas.microsoft.com/office/drawing/2014/main" id="{D833BC17-C7C2-9AB0-1EB9-F9BBE44C719D}"/>
+                <a16:creationId xmlns:a16="http://schemas.microsoft.com/office/drawing/2014/main" id="{EBEA9A22-F0F1-BAFE-E58C-21A06523A65D}"/>
               </a:ext>
             </a:extLst>
           </p:cNvPr>
@@ -11718,8 +11718,8 @@
         </p:blipFill>
         <p:spPr>
           <a:xfrm>
-            <a:off x="4397885" y="3008269"/>
-            <a:ext cx="4462029" cy="3346522"/>
+            <a:off x="4023434" y="1911492"/>
+            <a:ext cx="4097348" cy="3445203"/>
           </a:xfrm>
           <a:prstGeom prst="rect">
             <a:avLst/>
@@ -13052,7 +13052,7 @@
         </p:nvSpPr>
         <p:spPr>
           <a:xfrm>
-            <a:off x="838200" y="1929384"/>
+            <a:off x="838200" y="1849485"/>
             <a:ext cx="10515600" cy="4251960"/>
           </a:xfrm>
         </p:spPr>
@@ -13066,7 +13066,7 @@
           </a:p>
           <a:p>
             <a:r>
-              <a:rPr lang="en-US" sz="2200" dirty="0">
+              <a:rPr lang="en-US" sz="1800" dirty="0">
                 <a:solidFill>
                   <a:srgbClr val="000000"/>
                 </a:solidFill>
@@ -13075,7 +13075,7 @@
               <a:t>T</a:t>
             </a:r>
             <a:r>
-              <a:rPr lang="en-US" sz="2200" b="0" i="0" u="none" strike="noStrike" dirty="0">
+              <a:rPr lang="en-US" sz="1800" b="0" i="0" u="none" strike="noStrike" dirty="0">
                 <a:solidFill>
                   <a:srgbClr val="000000"/>
                 </a:solidFill>
@@ -13084,58 +13084,124 @@
               </a:rPr>
               <a:t>he data analysis does not show a clear indication that living in a walkable community affects car purchasing behavior in a consistent manner across income demographics</a:t>
             </a:r>
-            <a:endParaRPr lang="en-US" sz="2200" dirty="0"/>
+            <a:endParaRPr lang="en-US" sz="1800" dirty="0"/>
           </a:p>
           <a:p>
             <a:r>
-              <a:rPr lang="en-US" sz="2200" dirty="0">
+              <a:rPr lang="en-US" sz="1800" dirty="0">
                 <a:latin typeface="Calibri" panose="020F0502020204030204" pitchFamily="34" charset="0"/>
                 <a:ea typeface="Calibri" panose="020F0502020204030204" pitchFamily="34" charset="0"/>
                 <a:cs typeface="Times New Roman" panose="02020603050405020304" pitchFamily="18" charset="0"/>
               </a:rPr>
-              <a:t>Whether </a:t>
+              <a:t>T</a:t>
             </a:r>
             <a:r>
-              <a:rPr lang="en-US" sz="2200" dirty="0">
+              <a:rPr lang="en-US" sz="1800" dirty="0">
                 <a:effectLst/>
                 <a:latin typeface="Calibri" panose="020F0502020204030204" pitchFamily="34" charset="0"/>
                 <a:ea typeface="Calibri" panose="020F0502020204030204" pitchFamily="34" charset="0"/>
                 <a:cs typeface="Times New Roman" panose="02020603050405020304" pitchFamily="18" charset="0"/>
               </a:rPr>
-              <a:t>you have high, middle, low income, or are near public transportation in a very walkable area, the average household would still own car in America</a:t>
+              <a:t>he average household would still own car in America</a:t>
             </a:r>
             <a:r>
-              <a:rPr lang="en-US" sz="2200" dirty="0">
+              <a:rPr lang="en-US" sz="1800" dirty="0">
                 <a:effectLst/>
               </a:rPr>
               <a:t> </a:t>
             </a:r>
           </a:p>
           <a:p>
-            <a:endParaRPr lang="en-US" sz="2200" dirty="0"/>
-          </a:p>
-          <a:p>
+            <a:r>
+              <a:rPr lang="en-US" sz="1800" dirty="0"/>
+              <a:t>T</a:t>
+            </a:r>
+            <a:r>
+              <a:rPr lang="en-US" sz="1800" dirty="0">
+                <a:solidFill>
+                  <a:srgbClr val="000000"/>
+                </a:solidFill>
+                <a:effectLst/>
+                <a:latin typeface="Calibri" panose="020F0502020204030204" pitchFamily="34" charset="0"/>
+                <a:ea typeface="Times New Roman" panose="02020603050405020304" pitchFamily="18" charset="0"/>
+              </a:rPr>
+              <a:t>here is no correlation between the most walkable community and areas based on densities</a:t>
+            </a:r>
+          </a:p>
+          <a:p>
+            <a:pPr lvl="1"/>
+            <a:r>
+              <a:rPr lang="en-US" sz="1400" dirty="0">
+                <a:solidFill>
+                  <a:srgbClr val="000000"/>
+                </a:solidFill>
+                <a:latin typeface="Calibri" panose="020F0502020204030204" pitchFamily="34" charset="0"/>
+                <a:ea typeface="Times New Roman" panose="02020603050405020304" pitchFamily="18" charset="0"/>
+              </a:rPr>
+              <a:t>G</a:t>
+            </a:r>
+            <a:r>
+              <a:rPr lang="en-US" sz="1400" dirty="0">
+                <a:solidFill>
+                  <a:srgbClr val="000000"/>
+                </a:solidFill>
+                <a:effectLst/>
+                <a:latin typeface="Calibri" panose="020F0502020204030204" pitchFamily="34" charset="0"/>
+                <a:ea typeface="Times New Roman" panose="02020603050405020304" pitchFamily="18" charset="0"/>
+              </a:rPr>
+              <a:t>ross population density</a:t>
+            </a:r>
+          </a:p>
+          <a:p>
+            <a:pPr lvl="1"/>
+            <a:r>
+              <a:rPr lang="en-US" sz="1400" dirty="0">
+                <a:solidFill>
+                  <a:srgbClr val="000000"/>
+                </a:solidFill>
+                <a:latin typeface="Calibri" panose="020F0502020204030204" pitchFamily="34" charset="0"/>
+              </a:rPr>
+              <a:t>Gross residential density</a:t>
+            </a:r>
+          </a:p>
+          <a:p>
+            <a:pPr lvl="1"/>
+            <a:r>
+              <a:rPr lang="en-US" sz="1400" dirty="0">
+                <a:solidFill>
+                  <a:srgbClr val="000000"/>
+                </a:solidFill>
+                <a:effectLst/>
+                <a:latin typeface="Calibri" panose="020F0502020204030204" pitchFamily="34" charset="0"/>
+              </a:rPr>
+              <a:t>Gross employment density</a:t>
+            </a:r>
+          </a:p>
+          <a:p>
+            <a:pPr marL="457200" lvl="1" indent="0">
+              <a:buNone/>
+            </a:pPr>
             <a:endParaRPr lang="en-US" sz="2200" dirty="0">
               <a:effectLst/>
             </a:endParaRPr>
           </a:p>
           <a:p>
             <a:r>
-              <a:rPr lang="en-US" sz="2400" dirty="0"/>
+              <a:rPr lang="en-US" sz="1800" dirty="0"/>
               <a:t>Data Bias:</a:t>
             </a:r>
           </a:p>
           <a:p>
             <a:pPr lvl="1"/>
             <a:r>
-              <a:rPr lang="en-US" sz="2000" dirty="0"/>
+              <a:rPr lang="en-US" sz="1800" dirty="0"/>
               <a:t>Fixed income ranges across America in Dataset from </a:t>
             </a:r>
             <a:r>
-              <a:rPr lang="en-US" sz="2000" dirty="0" err="1"/>
+              <a:rPr lang="en-US" sz="1800" dirty="0" err="1"/>
               <a:t>EPA.gov</a:t>
             </a:r>
-            <a:endParaRPr lang="en-US" sz="2000" dirty="0"/>
+            <a:endParaRPr lang="en-US" sz="1800" dirty="0"/>
           </a:p>
           <a:p>
             <a:pPr marL="457200" lvl="1" indent="0">
@@ -14864,6 +14930,13 @@
               <a:t>Public transportation</a:t>
             </a:r>
           </a:p>
+          <a:p>
+            <a:pPr lvl="1"/>
+            <a:r>
+              <a:rPr lang="en-US" sz="2200" dirty="0"/>
+              <a:t>Density</a:t>
+            </a:r>
+          </a:p>
         </p:txBody>
       </p:sp>
       <p:pic>
@@ -16660,7 +16733,7 @@
         </p:spPr>
         <p:txBody>
           <a:bodyPr anchor="t">
-            <a:normAutofit lnSpcReduction="10000"/>
+            <a:normAutofit/>
           </a:bodyPr>
           <a:lstStyle/>
           <a:p>
@@ -16707,67 +16780,8 @@
                 <a:ea typeface="Times New Roman" panose="02020603050405020304" pitchFamily="18" charset="0"/>
                 <a:cs typeface="Times New Roman" panose="02020603050405020304" pitchFamily="18" charset="0"/>
               </a:rPr>
-              <a:t>Do high income earners who live in a walkable community own car?</a:t>
+              <a:t>Do high, middle, and low-income earners who live in a walkable community own car?</a:t>
             </a:r>
-          </a:p>
-          <a:p>
-            <a:pPr marL="914400" lvl="2">
-              <a:spcBef>
-                <a:spcPts val="0"/>
-              </a:spcBef>
-            </a:pPr>
-            <a:endParaRPr lang="en-US" sz="1900" dirty="0">
-              <a:effectLst/>
-              <a:ea typeface="Times New Roman" panose="02020603050405020304" pitchFamily="18" charset="0"/>
-              <a:cs typeface="Times New Roman" panose="02020603050405020304" pitchFamily="18" charset="0"/>
-            </a:endParaRPr>
-          </a:p>
-          <a:p>
-            <a:pPr marL="914400" lvl="2">
-              <a:spcBef>
-                <a:spcPts val="0"/>
-              </a:spcBef>
-            </a:pPr>
-            <a:r>
-              <a:rPr lang="en-US" sz="1900" dirty="0">
-                <a:effectLst/>
-                <a:ea typeface="Times New Roman" panose="02020603050405020304" pitchFamily="18" charset="0"/>
-                <a:cs typeface="Times New Roman" panose="02020603050405020304" pitchFamily="18" charset="0"/>
-              </a:rPr>
-              <a:t>Do middle income earners who live in a walkable community own car?</a:t>
-            </a:r>
-          </a:p>
-          <a:p>
-            <a:pPr marL="685800" lvl="2" indent="0">
-              <a:spcBef>
-                <a:spcPts val="0"/>
-              </a:spcBef>
-              <a:buNone/>
-            </a:pPr>
-            <a:endParaRPr lang="en-US" sz="1900" dirty="0">
-              <a:ea typeface="Times New Roman" panose="02020603050405020304" pitchFamily="18" charset="0"/>
-              <a:cs typeface="Times New Roman" panose="02020603050405020304" pitchFamily="18" charset="0"/>
-            </a:endParaRPr>
-          </a:p>
-          <a:p>
-            <a:pPr marL="914400" lvl="2">
-              <a:spcBef>
-                <a:spcPts val="0"/>
-              </a:spcBef>
-            </a:pPr>
-            <a:r>
-              <a:rPr lang="en-US" sz="1900" dirty="0">
-                <a:effectLst/>
-                <a:ea typeface="Times New Roman" panose="02020603050405020304" pitchFamily="18" charset="0"/>
-                <a:cs typeface="Times New Roman" panose="02020603050405020304" pitchFamily="18" charset="0"/>
-              </a:rPr>
-              <a:t>Do low-income earners who live in a walkable community own car?</a:t>
-            </a:r>
-            <a:endParaRPr lang="en-US" sz="1900" dirty="0">
-              <a:effectLst/>
-              <a:ea typeface="Calibri" panose="020F0502020204030204" pitchFamily="34" charset="0"/>
-              <a:cs typeface="Times New Roman" panose="02020603050405020304" pitchFamily="18" charset="0"/>
-            </a:endParaRPr>
           </a:p>
           <a:p>
             <a:pPr marL="0" marR="0" indent="0">
@@ -16842,8 +16856,22 @@
                 <a:ea typeface="Times New Roman" panose="02020603050405020304" pitchFamily="18" charset="0"/>
                 <a:cs typeface="Times New Roman" panose="02020603050405020304" pitchFamily="18" charset="0"/>
               </a:rPr>
-              <a:t>Do individuals reside by their jobs or by their desire?</a:t>
+              <a:t> Is there a correlation between most walkable communities and area based on density?</a:t>
             </a:r>
+            <a:endParaRPr lang="en-US" sz="1800" dirty="0">
+              <a:effectLst/>
+              <a:latin typeface="Calibri" panose="020F0502020204030204" pitchFamily="34" charset="0"/>
+              <a:ea typeface="Calibri" panose="020F0502020204030204" pitchFamily="34" charset="0"/>
+              <a:cs typeface="Times New Roman" panose="02020603050405020304" pitchFamily="18" charset="0"/>
+            </a:endParaRPr>
+          </a:p>
+          <a:p>
+            <a:pPr marL="0" indent="0">
+              <a:spcBef>
+                <a:spcPts val="0"/>
+              </a:spcBef>
+              <a:buNone/>
+            </a:pPr>
             <a:endParaRPr lang="en-US" sz="1800" dirty="0">
               <a:effectLst/>
               <a:latin typeface="Calibri" panose="020F0502020204030204" pitchFamily="34" charset="0"/>

--- a/Project1-PP f.pptx
+++ b/Project1-PP f.pptx
@@ -16746,7 +16746,7 @@
               </a:spcAft>
             </a:pPr>
             <a:r>
-              <a:rPr lang="en-US" sz="1900" dirty="0">
+              <a:rPr lang="en-US" sz="1800" dirty="0">
                 <a:effectLst/>
                 <a:ea typeface="Times New Roman" panose="02020603050405020304" pitchFamily="18" charset="0"/>
                 <a:cs typeface="Times New Roman" panose="02020603050405020304" pitchFamily="18" charset="0"/>
@@ -16763,7 +16763,7 @@
                 <a:spcPts val="0"/>
               </a:spcAft>
             </a:pPr>
-            <a:endParaRPr lang="en-US" sz="1900" dirty="0">
+            <a:endParaRPr lang="en-US" sz="1800" dirty="0">
               <a:ea typeface="Times New Roman" panose="02020603050405020304" pitchFamily="18" charset="0"/>
               <a:cs typeface="Times New Roman" panose="02020603050405020304" pitchFamily="18" charset="0"/>
             </a:endParaRPr>
@@ -16775,7 +16775,7 @@
               </a:spcBef>
             </a:pPr>
             <a:r>
-              <a:rPr lang="en-US" sz="1900" dirty="0">
+              <a:rPr lang="en-US" sz="1800" dirty="0">
                 <a:effectLst/>
                 <a:ea typeface="Times New Roman" panose="02020603050405020304" pitchFamily="18" charset="0"/>
                 <a:cs typeface="Times New Roman" panose="02020603050405020304" pitchFamily="18" charset="0"/>
@@ -16794,14 +16794,14 @@
               <a:buNone/>
             </a:pPr>
             <a:r>
-              <a:rPr lang="en-US" sz="1900" dirty="0">
+              <a:rPr lang="en-US" sz="1800" dirty="0">
                 <a:effectLst/>
                 <a:ea typeface="Times New Roman" panose="02020603050405020304" pitchFamily="18" charset="0"/>
                 <a:cs typeface="Times New Roman" panose="02020603050405020304" pitchFamily="18" charset="0"/>
               </a:rPr>
               <a:t> </a:t>
             </a:r>
-            <a:endParaRPr lang="en-US" sz="1900" dirty="0">
+            <a:endParaRPr lang="en-US" sz="1800" dirty="0">
               <a:effectLst/>
               <a:ea typeface="Calibri" panose="020F0502020204030204" pitchFamily="34" charset="0"/>
               <a:cs typeface="Times New Roman" panose="02020603050405020304" pitchFamily="18" charset="0"/>
@@ -16817,7 +16817,7 @@
               </a:spcAft>
             </a:pPr>
             <a:r>
-              <a:rPr lang="en-US" sz="1900" dirty="0">
+              <a:rPr lang="en-US" sz="1800" dirty="0">
                 <a:effectLst/>
                 <a:ea typeface="Times New Roman" panose="02020603050405020304" pitchFamily="18" charset="0"/>
                 <a:cs typeface="Times New Roman" panose="02020603050405020304" pitchFamily="18" charset="0"/>
@@ -16834,7 +16834,7 @@
                 <a:spcPts val="0"/>
               </a:spcAft>
             </a:pPr>
-            <a:endParaRPr lang="en-US" sz="1900" dirty="0">
+            <a:endParaRPr lang="en-US" sz="1800" dirty="0">
               <a:effectLst/>
               <a:ea typeface="Times New Roman" panose="02020603050405020304" pitchFamily="18" charset="0"/>
               <a:cs typeface="Times New Roman" panose="02020603050405020304" pitchFamily="18" charset="0"/>
@@ -16852,25 +16852,22 @@
                   <a:srgbClr val="000000"/>
                 </a:solidFill>
                 <a:effectLst/>
-                <a:latin typeface="Arial" panose="020B0604020202020204" pitchFamily="34" charset="0"/>
                 <a:ea typeface="Times New Roman" panose="02020603050405020304" pitchFamily="18" charset="0"/>
                 <a:cs typeface="Times New Roman" panose="02020603050405020304" pitchFamily="18" charset="0"/>
               </a:rPr>
-              <a:t> Is there a correlation between most walkable communities and area based on density?</a:t>
+              <a:t> Do high income earning individuals living in walkable communities choose to live in highly dense population, employment, and residential areas?</a:t>
             </a:r>
             <a:endParaRPr lang="en-US" sz="1800" dirty="0">
               <a:effectLst/>
-              <a:latin typeface="Calibri" panose="020F0502020204030204" pitchFamily="34" charset="0"/>
               <a:ea typeface="Calibri" panose="020F0502020204030204" pitchFamily="34" charset="0"/>
               <a:cs typeface="Times New Roman" panose="02020603050405020304" pitchFamily="18" charset="0"/>
             </a:endParaRPr>
           </a:p>
           <a:p>
-            <a:pPr marL="0" indent="0">
+            <a:pPr marL="0">
               <a:spcBef>
                 <a:spcPts val="0"/>
               </a:spcBef>
-              <a:buNone/>
             </a:pPr>
             <a:endParaRPr lang="en-US" sz="1800" dirty="0">
               <a:effectLst/>
@@ -17791,7 +17788,7 @@
             <a:pPr lvl="1"/>
             <a:r>
               <a:rPr lang="en-US" sz="2800" dirty="0"/>
-              <a:t>Reduce size of data set size </a:t>
+              <a:t>Reduced size of data set  </a:t>
             </a:r>
           </a:p>
         </p:txBody>
